--- a/MileStone1.pptx
+++ b/MileStone1.pptx
@@ -11,8 +11,9 @@
     <p:sldId id="265" r:id="rId5"/>
     <p:sldId id="266" r:id="rId6"/>
     <p:sldId id="267" r:id="rId7"/>
-    <p:sldId id="260" r:id="rId8"/>
-    <p:sldId id="268" r:id="rId9"/>
+    <p:sldId id="269" r:id="rId8"/>
+    <p:sldId id="260" r:id="rId9"/>
+    <p:sldId id="268" r:id="rId10"/>
   </p:sldIdLst>
   <p:sldSz cx="12192000" cy="6858000"/>
   <p:notesSz cx="6858000" cy="9144000"/>
@@ -111,13 +112,18 @@
       </a:defRPr>
     </a:lvl9pPr>
   </p:defaultTextStyle>
+  <p:extLst>
+    <p:ext uri="{EFAFB233-063F-42B5-8137-9DF3F51BA10A}">
+      <p15:sldGuideLst xmlns:p15="http://schemas.microsoft.com/office/powerpoint/2012/main"/>
+    </p:ext>
+  </p:extLst>
 </p:presentation>
 </file>
 
 <file path=ppt/revisionInfo.xml><?xml version="1.0" encoding="utf-8"?>
 <p1510:revInfo xmlns:a="http://schemas.openxmlformats.org/drawingml/2006/main" xmlns:r="http://schemas.openxmlformats.org/officeDocument/2006/relationships" xmlns:p1510="http://schemas.microsoft.com/office/powerpoint/2015/10/main">
   <p1510:revLst>
-    <p1510:client id="{6865AA82-49D4-4327-B62D-99C6E8925BB9}" v="26" dt="2021-11-11T15:35:57.969"/>
+    <p1510:client id="{6865AA82-49D4-4327-B62D-99C6E8925BB9}" v="60" dt="2021-11-11T16:03:07.326"/>
   </p1510:revLst>
 </p1510:revInfo>
 </file>
@@ -126,13 +132,13 @@
 <pc:chgInfo xmlns:a="http://schemas.openxmlformats.org/drawingml/2006/main" xmlns:r="http://schemas.openxmlformats.org/officeDocument/2006/relationships" xmlns:ac="http://schemas.microsoft.com/office/drawing/2013/main/command" xmlns:pc="http://schemas.microsoft.com/office/powerpoint/2013/main/command">
   <pc:docChgLst>
     <pc:chgData name="Yael Zamir" userId="fed8c3c7-0632-4002-ae80-345bc02a19d5" providerId="ADAL" clId="{6865AA82-49D4-4327-B62D-99C6E8925BB9}"/>
-    <pc:docChg chg="undo custSel addSld delSld modSld">
-      <pc:chgData name="Yael Zamir" userId="fed8c3c7-0632-4002-ae80-345bc02a19d5" providerId="ADAL" clId="{6865AA82-49D4-4327-B62D-99C6E8925BB9}" dt="2021-11-11T15:45:25.700" v="3375" actId="20577"/>
+    <pc:docChg chg="undo custSel addSld delSld modSld sldOrd">
+      <pc:chgData name="Yael Zamir" userId="fed8c3c7-0632-4002-ae80-345bc02a19d5" providerId="ADAL" clId="{6865AA82-49D4-4327-B62D-99C6E8925BB9}" dt="2021-11-11T16:03:07.326" v="3771"/>
       <pc:docMkLst>
         <pc:docMk/>
       </pc:docMkLst>
-      <pc:sldChg chg="addSp delSp modSp mod setBg chgLayout">
-        <pc:chgData name="Yael Zamir" userId="fed8c3c7-0632-4002-ae80-345bc02a19d5" providerId="ADAL" clId="{6865AA82-49D4-4327-B62D-99C6E8925BB9}" dt="2021-11-11T15:37:57.238" v="3179" actId="20577"/>
+      <pc:sldChg chg="addSp delSp modSp mod setBg modAnim chgLayout">
+        <pc:chgData name="Yael Zamir" userId="fed8c3c7-0632-4002-ae80-345bc02a19d5" providerId="ADAL" clId="{6865AA82-49D4-4327-B62D-99C6E8925BB9}" dt="2021-11-11T15:59:51.192" v="3747"/>
         <pc:sldMkLst>
           <pc:docMk/>
           <pc:sldMk cId="390021578" sldId="256"/>
@@ -154,7 +160,7 @@
           </ac:spMkLst>
         </pc:spChg>
         <pc:spChg chg="add mod ord">
-          <ac:chgData name="Yael Zamir" userId="fed8c3c7-0632-4002-ae80-345bc02a19d5" providerId="ADAL" clId="{6865AA82-49D4-4327-B62D-99C6E8925BB9}" dt="2021-11-11T15:37:57.238" v="3179" actId="20577"/>
+          <ac:chgData name="Yael Zamir" userId="fed8c3c7-0632-4002-ae80-345bc02a19d5" providerId="ADAL" clId="{6865AA82-49D4-4327-B62D-99C6E8925BB9}" dt="2021-11-11T15:56:00.416" v="3636" actId="242"/>
           <ac:spMkLst>
             <pc:docMk/>
             <pc:sldMk cId="390021578" sldId="256"/>
@@ -258,8 +264,8 @@
           </ac:grpSpMkLst>
         </pc:grpChg>
       </pc:sldChg>
-      <pc:sldChg chg="addSp delSp modSp mod setBg setClrOvrMap delDesignElem">
-        <pc:chgData name="Yael Zamir" userId="fed8c3c7-0632-4002-ae80-345bc02a19d5" providerId="ADAL" clId="{6865AA82-49D4-4327-B62D-99C6E8925BB9}" dt="2021-11-11T15:41:19.229" v="3231" actId="14100"/>
+      <pc:sldChg chg="addSp delSp modSp mod setBg modAnim setClrOvrMap delDesignElem">
+        <pc:chgData name="Yael Zamir" userId="fed8c3c7-0632-4002-ae80-345bc02a19d5" providerId="ADAL" clId="{6865AA82-49D4-4327-B62D-99C6E8925BB9}" dt="2021-11-11T16:02:46.399" v="3765"/>
         <pc:sldMkLst>
           <pc:docMk/>
           <pc:sldMk cId="1011657992" sldId="257"/>
@@ -699,8 +705,8 @@
           <pc:sldMk cId="1534833127" sldId="263"/>
         </pc:sldMkLst>
       </pc:sldChg>
-      <pc:sldChg chg="addSp delSp modSp new mod modClrScheme chgLayout">
-        <pc:chgData name="Yael Zamir" userId="fed8c3c7-0632-4002-ae80-345bc02a19d5" providerId="ADAL" clId="{6865AA82-49D4-4327-B62D-99C6E8925BB9}" dt="2021-11-11T15:37:10.396" v="3158" actId="700"/>
+      <pc:sldChg chg="addSp delSp modSp new mod modClrScheme modAnim chgLayout">
+        <pc:chgData name="Yael Zamir" userId="fed8c3c7-0632-4002-ae80-345bc02a19d5" providerId="ADAL" clId="{6865AA82-49D4-4327-B62D-99C6E8925BB9}" dt="2021-11-11T16:02:37.415" v="3762"/>
         <pc:sldMkLst>
           <pc:docMk/>
           <pc:sldMk cId="795004954" sldId="264"/>
@@ -714,7 +720,7 @@
           </ac:spMkLst>
         </pc:spChg>
         <pc:spChg chg="mod ord">
-          <ac:chgData name="Yael Zamir" userId="fed8c3c7-0632-4002-ae80-345bc02a19d5" providerId="ADAL" clId="{6865AA82-49D4-4327-B62D-99C6E8925BB9}" dt="2021-11-11T15:37:10.396" v="3158" actId="700"/>
+          <ac:chgData name="Yael Zamir" userId="fed8c3c7-0632-4002-ae80-345bc02a19d5" providerId="ADAL" clId="{6865AA82-49D4-4327-B62D-99C6E8925BB9}" dt="2021-11-11T15:57:21.576" v="3734" actId="313"/>
           <ac:spMkLst>
             <pc:docMk/>
             <pc:sldMk cId="795004954" sldId="264"/>
@@ -722,7 +728,7 @@
           </ac:spMkLst>
         </pc:spChg>
         <pc:spChg chg="add mod">
-          <ac:chgData name="Yael Zamir" userId="fed8c3c7-0632-4002-ae80-345bc02a19d5" providerId="ADAL" clId="{6865AA82-49D4-4327-B62D-99C6E8925BB9}" dt="2021-11-11T15:36:06.184" v="3155" actId="1076"/>
+          <ac:chgData name="Yael Zamir" userId="fed8c3c7-0632-4002-ae80-345bc02a19d5" providerId="ADAL" clId="{6865AA82-49D4-4327-B62D-99C6E8925BB9}" dt="2021-11-11T15:57:46.862" v="3737" actId="1076"/>
           <ac:spMkLst>
             <pc:docMk/>
             <pc:sldMk cId="795004954" sldId="264"/>
@@ -730,7 +736,7 @@
           </ac:spMkLst>
         </pc:spChg>
         <pc:spChg chg="add mod">
-          <ac:chgData name="Yael Zamir" userId="fed8c3c7-0632-4002-ae80-345bc02a19d5" providerId="ADAL" clId="{6865AA82-49D4-4327-B62D-99C6E8925BB9}" dt="2021-11-11T15:36:06.184" v="3155" actId="1076"/>
+          <ac:chgData name="Yael Zamir" userId="fed8c3c7-0632-4002-ae80-345bc02a19d5" providerId="ADAL" clId="{6865AA82-49D4-4327-B62D-99C6E8925BB9}" dt="2021-11-11T15:57:46.862" v="3737" actId="1076"/>
           <ac:spMkLst>
             <pc:docMk/>
             <pc:sldMk cId="795004954" sldId="264"/>
@@ -738,7 +744,7 @@
           </ac:spMkLst>
         </pc:spChg>
         <pc:spChg chg="add mod">
-          <ac:chgData name="Yael Zamir" userId="fed8c3c7-0632-4002-ae80-345bc02a19d5" providerId="ADAL" clId="{6865AA82-49D4-4327-B62D-99C6E8925BB9}" dt="2021-11-11T15:36:06.184" v="3155" actId="1076"/>
+          <ac:chgData name="Yael Zamir" userId="fed8c3c7-0632-4002-ae80-345bc02a19d5" providerId="ADAL" clId="{6865AA82-49D4-4327-B62D-99C6E8925BB9}" dt="2021-11-11T15:57:46.862" v="3737" actId="1076"/>
           <ac:spMkLst>
             <pc:docMk/>
             <pc:sldMk cId="795004954" sldId="264"/>
@@ -746,7 +752,7 @@
           </ac:spMkLst>
         </pc:spChg>
         <pc:spChg chg="add mod">
-          <ac:chgData name="Yael Zamir" userId="fed8c3c7-0632-4002-ae80-345bc02a19d5" providerId="ADAL" clId="{6865AA82-49D4-4327-B62D-99C6E8925BB9}" dt="2021-11-11T15:36:06.184" v="3155" actId="1076"/>
+          <ac:chgData name="Yael Zamir" userId="fed8c3c7-0632-4002-ae80-345bc02a19d5" providerId="ADAL" clId="{6865AA82-49D4-4327-B62D-99C6E8925BB9}" dt="2021-11-11T15:57:46.862" v="3737" actId="1076"/>
           <ac:spMkLst>
             <pc:docMk/>
             <pc:sldMk cId="795004954" sldId="264"/>
@@ -754,7 +760,7 @@
           </ac:spMkLst>
         </pc:spChg>
         <pc:spChg chg="add mod">
-          <ac:chgData name="Yael Zamir" userId="fed8c3c7-0632-4002-ae80-345bc02a19d5" providerId="ADAL" clId="{6865AA82-49D4-4327-B62D-99C6E8925BB9}" dt="2021-11-11T15:36:06.184" v="3155" actId="1076"/>
+          <ac:chgData name="Yael Zamir" userId="fed8c3c7-0632-4002-ae80-345bc02a19d5" providerId="ADAL" clId="{6865AA82-49D4-4327-B62D-99C6E8925BB9}" dt="2021-11-11T15:57:46.862" v="3737" actId="1076"/>
           <ac:spMkLst>
             <pc:docMk/>
             <pc:sldMk cId="795004954" sldId="264"/>
@@ -770,7 +776,7 @@
           </ac:spMkLst>
         </pc:spChg>
         <pc:graphicFrameChg chg="add mod">
-          <ac:chgData name="Yael Zamir" userId="fed8c3c7-0632-4002-ae80-345bc02a19d5" providerId="ADAL" clId="{6865AA82-49D4-4327-B62D-99C6E8925BB9}" dt="2021-11-11T15:36:06.184" v="3155" actId="1076"/>
+          <ac:chgData name="Yael Zamir" userId="fed8c3c7-0632-4002-ae80-345bc02a19d5" providerId="ADAL" clId="{6865AA82-49D4-4327-B62D-99C6E8925BB9}" dt="2021-11-11T15:57:46.862" v="3737" actId="1076"/>
           <ac:graphicFrameMkLst>
             <pc:docMk/>
             <pc:sldMk cId="795004954" sldId="264"/>
@@ -778,7 +784,7 @@
           </ac:graphicFrameMkLst>
         </pc:graphicFrameChg>
         <pc:cxnChg chg="add mod">
-          <ac:chgData name="Yael Zamir" userId="fed8c3c7-0632-4002-ae80-345bc02a19d5" providerId="ADAL" clId="{6865AA82-49D4-4327-B62D-99C6E8925BB9}" dt="2021-11-11T15:36:06.184" v="3155" actId="1076"/>
+          <ac:chgData name="Yael Zamir" userId="fed8c3c7-0632-4002-ae80-345bc02a19d5" providerId="ADAL" clId="{6865AA82-49D4-4327-B62D-99C6E8925BB9}" dt="2021-11-11T15:57:46.862" v="3737" actId="1076"/>
           <ac:cxnSpMkLst>
             <pc:docMk/>
             <pc:sldMk cId="795004954" sldId="264"/>
@@ -786,14 +792,14 @@
           </ac:cxnSpMkLst>
         </pc:cxnChg>
       </pc:sldChg>
-      <pc:sldChg chg="modSp add mod">
-        <pc:chgData name="Yael Zamir" userId="fed8c3c7-0632-4002-ae80-345bc02a19d5" providerId="ADAL" clId="{6865AA82-49D4-4327-B62D-99C6E8925BB9}" dt="2021-11-11T15:41:09.336" v="3228" actId="14100"/>
+      <pc:sldChg chg="modSp add mod modAnim">
+        <pc:chgData name="Yael Zamir" userId="fed8c3c7-0632-4002-ae80-345bc02a19d5" providerId="ADAL" clId="{6865AA82-49D4-4327-B62D-99C6E8925BB9}" dt="2021-11-11T16:03:07.326" v="3771"/>
         <pc:sldMkLst>
           <pc:docMk/>
           <pc:sldMk cId="1667528421" sldId="265"/>
         </pc:sldMkLst>
         <pc:spChg chg="mod">
-          <ac:chgData name="Yael Zamir" userId="fed8c3c7-0632-4002-ae80-345bc02a19d5" providerId="ADAL" clId="{6865AA82-49D4-4327-B62D-99C6E8925BB9}" dt="2021-11-11T15:41:09.336" v="3228" actId="14100"/>
+          <ac:chgData name="Yael Zamir" userId="fed8c3c7-0632-4002-ae80-345bc02a19d5" providerId="ADAL" clId="{6865AA82-49D4-4327-B62D-99C6E8925BB9}" dt="2021-11-11T15:50:02.578" v="3386" actId="313"/>
           <ac:spMkLst>
             <pc:docMk/>
             <pc:sldMk cId="1667528421" sldId="265"/>
@@ -809,7 +815,7 @@
         </pc:sldMkLst>
       </pc:sldChg>
       <pc:sldChg chg="modSp add mod">
-        <pc:chgData name="Yael Zamir" userId="fed8c3c7-0632-4002-ae80-345bc02a19d5" providerId="ADAL" clId="{6865AA82-49D4-4327-B62D-99C6E8925BB9}" dt="2021-11-11T15:42:02.971" v="3239" actId="27636"/>
+        <pc:chgData name="Yael Zamir" userId="fed8c3c7-0632-4002-ae80-345bc02a19d5" providerId="ADAL" clId="{6865AA82-49D4-4327-B62D-99C6E8925BB9}" dt="2021-11-11T15:50:56.513" v="3426" actId="20577"/>
         <pc:sldMkLst>
           <pc:docMk/>
           <pc:sldMk cId="2277696571" sldId="266"/>
@@ -823,7 +829,7 @@
           </ac:spMkLst>
         </pc:spChg>
         <pc:spChg chg="mod">
-          <ac:chgData name="Yael Zamir" userId="fed8c3c7-0632-4002-ae80-345bc02a19d5" providerId="ADAL" clId="{6865AA82-49D4-4327-B62D-99C6E8925BB9}" dt="2021-11-11T15:42:02.971" v="3239" actId="27636"/>
+          <ac:chgData name="Yael Zamir" userId="fed8c3c7-0632-4002-ae80-345bc02a19d5" providerId="ADAL" clId="{6865AA82-49D4-4327-B62D-99C6E8925BB9}" dt="2021-11-11T15:50:56.513" v="3426" actId="20577"/>
           <ac:spMkLst>
             <pc:docMk/>
             <pc:sldMk cId="2277696571" sldId="266"/>
@@ -873,6 +879,29 @@
           <ac:spMkLst>
             <pc:docMk/>
             <pc:sldMk cId="1422496726" sldId="268"/>
+            <ac:spMk id="7" creationId="{3A5E0135-70CF-4728-8861-DAA78B3E864D}"/>
+          </ac:spMkLst>
+        </pc:spChg>
+      </pc:sldChg>
+      <pc:sldChg chg="modSp add mod ord">
+        <pc:chgData name="Yael Zamir" userId="fed8c3c7-0632-4002-ae80-345bc02a19d5" providerId="ADAL" clId="{6865AA82-49D4-4327-B62D-99C6E8925BB9}" dt="2021-11-11T15:53:41.908" v="3630" actId="20577"/>
+        <pc:sldMkLst>
+          <pc:docMk/>
+          <pc:sldMk cId="1676014840" sldId="269"/>
+        </pc:sldMkLst>
+        <pc:spChg chg="mod">
+          <ac:chgData name="Yael Zamir" userId="fed8c3c7-0632-4002-ae80-345bc02a19d5" providerId="ADAL" clId="{6865AA82-49D4-4327-B62D-99C6E8925BB9}" dt="2021-11-11T15:52:20.364" v="3448" actId="20577"/>
+          <ac:spMkLst>
+            <pc:docMk/>
+            <pc:sldMk cId="1676014840" sldId="269"/>
+            <ac:spMk id="6" creationId="{9C16C16A-A22D-4915-B0C0-BCE913C46966}"/>
+          </ac:spMkLst>
+        </pc:spChg>
+        <pc:spChg chg="mod">
+          <ac:chgData name="Yael Zamir" userId="fed8c3c7-0632-4002-ae80-345bc02a19d5" providerId="ADAL" clId="{6865AA82-49D4-4327-B62D-99C6E8925BB9}" dt="2021-11-11T15:53:41.908" v="3630" actId="20577"/>
+          <ac:spMkLst>
+            <pc:docMk/>
+            <pc:sldMk cId="1676014840" sldId="269"/>
             <ac:spMk id="7" creationId="{3A5E0135-70CF-4728-8861-DAA78B3E864D}"/>
           </ac:spMkLst>
         </pc:spChg>
@@ -4086,7 +4115,7 @@
         </p:nvSpPr>
         <p:spPr/>
         <p:txBody>
-          <a:bodyPr>
+          <a:bodyPr anchor="t">
             <a:normAutofit fontScale="90000"/>
           </a:bodyPr>
           <a:lstStyle/>
@@ -4097,7 +4126,22 @@
                   <a:srgbClr val="000000"/>
                 </a:solidFill>
               </a:rPr>
-              <a:t>Computational analysis of medical genomic data </a:t>
+              <a:t>Computational analysis of medical genomic data</a:t>
+            </a:r>
+            <a:br>
+              <a:rPr lang="en-GB" sz="3100" dirty="0">
+                <a:solidFill>
+                  <a:srgbClr val="000000"/>
+                </a:solidFill>
+              </a:rPr>
+            </a:br>
+            <a:r>
+              <a:rPr lang="en-GB" sz="3100" dirty="0">
+                <a:solidFill>
+                  <a:srgbClr val="000000"/>
+                </a:solidFill>
+              </a:rPr>
+              <a:t> </a:t>
             </a:r>
             <a:r>
               <a:rPr lang="en-US" sz="3100" dirty="0">
@@ -4186,6 +4230,200 @@
   <p:clrMapOvr>
     <a:masterClrMapping/>
   </p:clrMapOvr>
+  <p:timing>
+    <p:tnLst>
+      <p:par>
+        <p:cTn id="1" dur="indefinite" restart="never" nodeType="tmRoot">
+          <p:childTnLst>
+            <p:seq concurrent="1" nextAc="seek">
+              <p:cTn id="2" dur="indefinite" nodeType="mainSeq">
+                <p:childTnLst>
+                  <p:par>
+                    <p:cTn id="3" fill="hold">
+                      <p:stCondLst>
+                        <p:cond delay="indefinite"/>
+                        <p:cond evt="onBegin" delay="0">
+                          <p:tn val="2"/>
+                        </p:cond>
+                      </p:stCondLst>
+                      <p:childTnLst>
+                        <p:par>
+                          <p:cTn id="4" fill="hold">
+                            <p:stCondLst>
+                              <p:cond delay="0"/>
+                            </p:stCondLst>
+                            <p:childTnLst>
+                              <p:par>
+                                <p:cTn id="5" presetID="10" presetClass="entr" presetSubtype="0" fill="hold" grpId="0" nodeType="afterEffect">
+                                  <p:stCondLst>
+                                    <p:cond delay="0"/>
+                                  </p:stCondLst>
+                                  <p:childTnLst>
+                                    <p:set>
+                                      <p:cBhvr>
+                                        <p:cTn id="6" dur="1" fill="hold">
+                                          <p:stCondLst>
+                                            <p:cond delay="0"/>
+                                          </p:stCondLst>
+                                        </p:cTn>
+                                        <p:tgtEl>
+                                          <p:spTgt spid="10"/>
+                                        </p:tgtEl>
+                                        <p:attrNameLst>
+                                          <p:attrName>style.visibility</p:attrName>
+                                        </p:attrNameLst>
+                                      </p:cBhvr>
+                                      <p:to>
+                                        <p:strVal val="visible"/>
+                                      </p:to>
+                                    </p:set>
+                                    <p:animEffect transition="in" filter="fade">
+                                      <p:cBhvr>
+                                        <p:cTn id="7" dur="500"/>
+                                        <p:tgtEl>
+                                          <p:spTgt spid="10"/>
+                                        </p:tgtEl>
+                                      </p:cBhvr>
+                                    </p:animEffect>
+                                  </p:childTnLst>
+                                </p:cTn>
+                              </p:par>
+                            </p:childTnLst>
+                          </p:cTn>
+                        </p:par>
+                        <p:par>
+                          <p:cTn id="8" fill="hold">
+                            <p:stCondLst>
+                              <p:cond delay="500"/>
+                            </p:stCondLst>
+                            <p:childTnLst>
+                              <p:par>
+                                <p:cTn id="9" presetID="10" presetClass="entr" presetSubtype="0" fill="hold" grpId="0" nodeType="afterEffect">
+                                  <p:stCondLst>
+                                    <p:cond delay="0"/>
+                                  </p:stCondLst>
+                                  <p:childTnLst>
+                                    <p:set>
+                                      <p:cBhvr>
+                                        <p:cTn id="10" dur="1" fill="hold">
+                                          <p:stCondLst>
+                                            <p:cond delay="0"/>
+                                          </p:stCondLst>
+                                        </p:cTn>
+                                        <p:tgtEl>
+                                          <p:spTgt spid="13">
+                                            <p:txEl>
+                                              <p:pRg st="0" end="0"/>
+                                            </p:txEl>
+                                          </p:spTgt>
+                                        </p:tgtEl>
+                                        <p:attrNameLst>
+                                          <p:attrName>style.visibility</p:attrName>
+                                        </p:attrNameLst>
+                                      </p:cBhvr>
+                                      <p:to>
+                                        <p:strVal val="visible"/>
+                                      </p:to>
+                                    </p:set>
+                                    <p:animEffect transition="in" filter="fade">
+                                      <p:cBhvr>
+                                        <p:cTn id="11" dur="500"/>
+                                        <p:tgtEl>
+                                          <p:spTgt spid="13">
+                                            <p:txEl>
+                                              <p:pRg st="0" end="0"/>
+                                            </p:txEl>
+                                          </p:spTgt>
+                                        </p:tgtEl>
+                                      </p:cBhvr>
+                                    </p:animEffect>
+                                  </p:childTnLst>
+                                </p:cTn>
+                              </p:par>
+                            </p:childTnLst>
+                          </p:cTn>
+                        </p:par>
+                        <p:par>
+                          <p:cTn id="12" fill="hold">
+                            <p:stCondLst>
+                              <p:cond delay="1000"/>
+                            </p:stCondLst>
+                            <p:childTnLst>
+                              <p:par>
+                                <p:cTn id="13" presetID="10" presetClass="entr" presetSubtype="0" fill="hold" grpId="0" nodeType="afterEffect">
+                                  <p:stCondLst>
+                                    <p:cond delay="0"/>
+                                  </p:stCondLst>
+                                  <p:childTnLst>
+                                    <p:set>
+                                      <p:cBhvr>
+                                        <p:cTn id="14" dur="1" fill="hold">
+                                          <p:stCondLst>
+                                            <p:cond delay="0"/>
+                                          </p:stCondLst>
+                                        </p:cTn>
+                                        <p:tgtEl>
+                                          <p:spTgt spid="13">
+                                            <p:txEl>
+                                              <p:pRg st="1" end="1"/>
+                                            </p:txEl>
+                                          </p:spTgt>
+                                        </p:tgtEl>
+                                        <p:attrNameLst>
+                                          <p:attrName>style.visibility</p:attrName>
+                                        </p:attrNameLst>
+                                      </p:cBhvr>
+                                      <p:to>
+                                        <p:strVal val="visible"/>
+                                      </p:to>
+                                    </p:set>
+                                    <p:animEffect transition="in" filter="fade">
+                                      <p:cBhvr>
+                                        <p:cTn id="15" dur="500"/>
+                                        <p:tgtEl>
+                                          <p:spTgt spid="13">
+                                            <p:txEl>
+                                              <p:pRg st="1" end="1"/>
+                                            </p:txEl>
+                                          </p:spTgt>
+                                        </p:tgtEl>
+                                      </p:cBhvr>
+                                    </p:animEffect>
+                                  </p:childTnLst>
+                                </p:cTn>
+                              </p:par>
+                            </p:childTnLst>
+                          </p:cTn>
+                        </p:par>
+                      </p:childTnLst>
+                    </p:cTn>
+                  </p:par>
+                </p:childTnLst>
+              </p:cTn>
+              <p:prevCondLst>
+                <p:cond evt="onPrev" delay="0">
+                  <p:tgtEl>
+                    <p:sldTgt/>
+                  </p:tgtEl>
+                </p:cond>
+              </p:prevCondLst>
+              <p:nextCondLst>
+                <p:cond evt="onNext" delay="0">
+                  <p:tgtEl>
+                    <p:sldTgt/>
+                  </p:tgtEl>
+                </p:cond>
+              </p:nextCondLst>
+            </p:seq>
+          </p:childTnLst>
+        </p:cTn>
+      </p:par>
+    </p:tnLst>
+    <p:bldLst>
+      <p:bldP spid="10" grpId="0" animBg="1"/>
+      <p:bldP spid="13" grpId="0" build="p"/>
+    </p:bldLst>
+  </p:timing>
 </p:sld>
 </file>
 
@@ -4251,16 +4489,35 @@
             <p:ph idx="1"/>
           </p:nvPr>
         </p:nvSpPr>
-        <p:spPr/>
+        <p:spPr>
+          <a:xfrm>
+            <a:off x="2231136" y="2638044"/>
+            <a:ext cx="7729728" cy="3558570"/>
+          </a:xfrm>
+        </p:spPr>
         <p:txBody>
           <a:bodyPr>
-            <a:normAutofit fontScale="92500" lnSpcReduction="10000"/>
+            <a:normAutofit fontScale="92500" lnSpcReduction="20000"/>
           </a:bodyPr>
           <a:lstStyle/>
           <a:p>
             <a:r>
               <a:rPr lang="en-US" dirty="0"/>
-              <a:t>Normalization</a:t>
+              <a:t>Normalization: </a:t>
+            </a:r>
+          </a:p>
+          <a:p>
+            <a:pPr lvl="1"/>
+            <a:r>
+              <a:rPr lang="en-US" dirty="0"/>
+              <a:t>As recommended</a:t>
+            </a:r>
+          </a:p>
+          <a:p>
+            <a:pPr lvl="1"/>
+            <a:r>
+              <a:rPr lang="en-US" dirty="0"/>
+              <a:t>Standardization (per gene\per sample\per drug)</a:t>
             </a:r>
           </a:p>
           <a:p>
@@ -4339,13 +4596,13 @@
           <p:nvPr>
             <p:extLst>
               <p:ext uri="{D42A27DB-BD31-4B8C-83A1-F6EECF244321}">
-                <p14:modId xmlns:p14="http://schemas.microsoft.com/office/powerpoint/2010/main" val="2322303198"/>
+                <p14:modId xmlns:p14="http://schemas.microsoft.com/office/powerpoint/2010/main" val="505561034"/>
               </p:ext>
             </p:extLst>
           </p:nvPr>
         </p:nvGraphicFramePr>
         <p:xfrm>
-          <a:off x="2728054" y="4120451"/>
+          <a:off x="2772442" y="4564334"/>
           <a:ext cx="3039468" cy="1258412"/>
         </p:xfrm>
         <a:graphic>
@@ -4547,7 +4804,7 @@
                     <a:bodyPr/>
                     <a:lstStyle/>
                     <a:p>
-                      <a:endParaRPr lang="en-IL" sz="1100"/>
+                      <a:endParaRPr lang="en-IL" sz="1100" dirty="0"/>
                     </a:p>
                   </a:txBody>
                   <a:tcPr/>
@@ -4610,7 +4867,7 @@
         </p:nvSpPr>
         <p:spPr>
           <a:xfrm>
-            <a:off x="5054005" y="5104966"/>
+            <a:off x="5098393" y="5548849"/>
             <a:ext cx="702742" cy="245010"/>
           </a:xfrm>
           <a:prstGeom prst="rect">
@@ -4666,7 +4923,7 @@
         </p:nvSpPr>
         <p:spPr>
           <a:xfrm>
-            <a:off x="6098328" y="5034037"/>
+            <a:off x="6142716" y="5477920"/>
             <a:ext cx="703689" cy="338554"/>
           </a:xfrm>
           <a:prstGeom prst="rect">
@@ -4713,7 +4970,7 @@
         </p:nvCxnSpPr>
         <p:spPr>
           <a:xfrm flipH="1">
-            <a:off x="5780132" y="5203314"/>
+            <a:off x="5824520" y="5647197"/>
             <a:ext cx="318196" cy="26033"/>
           </a:xfrm>
           <a:prstGeom prst="straightConnector1">
@@ -4755,7 +5012,7 @@
         </p:nvSpPr>
         <p:spPr>
           <a:xfrm>
-            <a:off x="2715444" y="5064574"/>
+            <a:off x="2759832" y="5508457"/>
             <a:ext cx="2325950" cy="308692"/>
           </a:xfrm>
           <a:prstGeom prst="rect">
@@ -4819,7 +5076,7 @@
         </p:nvSpPr>
         <p:spPr>
           <a:xfrm>
-            <a:off x="5105644" y="4429144"/>
+            <a:off x="5150032" y="4873027"/>
             <a:ext cx="651102" cy="675822"/>
           </a:xfrm>
           <a:prstGeom prst="rect">
@@ -4883,7 +5140,7 @@
         </p:nvSpPr>
         <p:spPr>
           <a:xfrm>
-            <a:off x="2715444" y="4429143"/>
+            <a:off x="2759832" y="4873026"/>
             <a:ext cx="2325950" cy="635431"/>
           </a:xfrm>
           <a:prstGeom prst="rect">
@@ -4943,6 +5200,639 @@
   <p:clrMapOvr>
     <a:masterClrMapping/>
   </p:clrMapOvr>
+  <p:timing>
+    <p:tnLst>
+      <p:par>
+        <p:cTn id="1" dur="indefinite" restart="never" nodeType="tmRoot">
+          <p:childTnLst>
+            <p:seq concurrent="1" nextAc="seek">
+              <p:cTn id="2" dur="indefinite" nodeType="mainSeq">
+                <p:childTnLst>
+                  <p:par>
+                    <p:cTn id="3" fill="hold">
+                      <p:stCondLst>
+                        <p:cond delay="indefinite"/>
+                        <p:cond evt="onBegin" delay="0">
+                          <p:tn val="2"/>
+                        </p:cond>
+                      </p:stCondLst>
+                      <p:childTnLst>
+                        <p:par>
+                          <p:cTn id="4" fill="hold">
+                            <p:stCondLst>
+                              <p:cond delay="0"/>
+                            </p:stCondLst>
+                            <p:childTnLst>
+                              <p:par>
+                                <p:cTn id="5" presetID="10" presetClass="entr" presetSubtype="0" fill="hold" grpId="0" nodeType="afterEffect">
+                                  <p:stCondLst>
+                                    <p:cond delay="0"/>
+                                  </p:stCondLst>
+                                  <p:childTnLst>
+                                    <p:set>
+                                      <p:cBhvr>
+                                        <p:cTn id="6" dur="1" fill="hold">
+                                          <p:stCondLst>
+                                            <p:cond delay="0"/>
+                                          </p:stCondLst>
+                                        </p:cTn>
+                                        <p:tgtEl>
+                                          <p:spTgt spid="2"/>
+                                        </p:tgtEl>
+                                        <p:attrNameLst>
+                                          <p:attrName>style.visibility</p:attrName>
+                                        </p:attrNameLst>
+                                      </p:cBhvr>
+                                      <p:to>
+                                        <p:strVal val="visible"/>
+                                      </p:to>
+                                    </p:set>
+                                    <p:animEffect transition="in" filter="fade">
+                                      <p:cBhvr>
+                                        <p:cTn id="7" dur="500"/>
+                                        <p:tgtEl>
+                                          <p:spTgt spid="2"/>
+                                        </p:tgtEl>
+                                      </p:cBhvr>
+                                    </p:animEffect>
+                                  </p:childTnLst>
+                                </p:cTn>
+                              </p:par>
+                            </p:childTnLst>
+                          </p:cTn>
+                        </p:par>
+                        <p:par>
+                          <p:cTn id="8" fill="hold">
+                            <p:stCondLst>
+                              <p:cond delay="500"/>
+                            </p:stCondLst>
+                            <p:childTnLst>
+                              <p:par>
+                                <p:cTn id="9" presetID="10" presetClass="entr" presetSubtype="0" fill="hold" nodeType="afterEffect">
+                                  <p:stCondLst>
+                                    <p:cond delay="0"/>
+                                  </p:stCondLst>
+                                  <p:childTnLst>
+                                    <p:set>
+                                      <p:cBhvr>
+                                        <p:cTn id="10" dur="1" fill="hold">
+                                          <p:stCondLst>
+                                            <p:cond delay="0"/>
+                                          </p:stCondLst>
+                                        </p:cTn>
+                                        <p:tgtEl>
+                                          <p:spTgt spid="3">
+                                            <p:txEl>
+                                              <p:pRg st="0" end="0"/>
+                                            </p:txEl>
+                                          </p:spTgt>
+                                        </p:tgtEl>
+                                        <p:attrNameLst>
+                                          <p:attrName>style.visibility</p:attrName>
+                                        </p:attrNameLst>
+                                      </p:cBhvr>
+                                      <p:to>
+                                        <p:strVal val="visible"/>
+                                      </p:to>
+                                    </p:set>
+                                    <p:animEffect transition="in" filter="fade">
+                                      <p:cBhvr>
+                                        <p:cTn id="11" dur="500"/>
+                                        <p:tgtEl>
+                                          <p:spTgt spid="3">
+                                            <p:txEl>
+                                              <p:pRg st="0" end="0"/>
+                                            </p:txEl>
+                                          </p:spTgt>
+                                        </p:tgtEl>
+                                      </p:cBhvr>
+                                    </p:animEffect>
+                                  </p:childTnLst>
+                                </p:cTn>
+                              </p:par>
+                              <p:par>
+                                <p:cTn id="12" presetID="10" presetClass="entr" presetSubtype="0" fill="hold" nodeType="withEffect">
+                                  <p:stCondLst>
+                                    <p:cond delay="0"/>
+                                  </p:stCondLst>
+                                  <p:childTnLst>
+                                    <p:set>
+                                      <p:cBhvr>
+                                        <p:cTn id="13" dur="1" fill="hold">
+                                          <p:stCondLst>
+                                            <p:cond delay="0"/>
+                                          </p:stCondLst>
+                                        </p:cTn>
+                                        <p:tgtEl>
+                                          <p:spTgt spid="3">
+                                            <p:txEl>
+                                              <p:pRg st="1" end="1"/>
+                                            </p:txEl>
+                                          </p:spTgt>
+                                        </p:tgtEl>
+                                        <p:attrNameLst>
+                                          <p:attrName>style.visibility</p:attrName>
+                                        </p:attrNameLst>
+                                      </p:cBhvr>
+                                      <p:to>
+                                        <p:strVal val="visible"/>
+                                      </p:to>
+                                    </p:set>
+                                    <p:animEffect transition="in" filter="fade">
+                                      <p:cBhvr>
+                                        <p:cTn id="14" dur="500"/>
+                                        <p:tgtEl>
+                                          <p:spTgt spid="3">
+                                            <p:txEl>
+                                              <p:pRg st="1" end="1"/>
+                                            </p:txEl>
+                                          </p:spTgt>
+                                        </p:tgtEl>
+                                      </p:cBhvr>
+                                    </p:animEffect>
+                                  </p:childTnLst>
+                                </p:cTn>
+                              </p:par>
+                              <p:par>
+                                <p:cTn id="15" presetID="10" presetClass="entr" presetSubtype="0" fill="hold" nodeType="withEffect">
+                                  <p:stCondLst>
+                                    <p:cond delay="0"/>
+                                  </p:stCondLst>
+                                  <p:childTnLst>
+                                    <p:set>
+                                      <p:cBhvr>
+                                        <p:cTn id="16" dur="1" fill="hold">
+                                          <p:stCondLst>
+                                            <p:cond delay="0"/>
+                                          </p:stCondLst>
+                                        </p:cTn>
+                                        <p:tgtEl>
+                                          <p:spTgt spid="3">
+                                            <p:txEl>
+                                              <p:pRg st="2" end="2"/>
+                                            </p:txEl>
+                                          </p:spTgt>
+                                        </p:tgtEl>
+                                        <p:attrNameLst>
+                                          <p:attrName>style.visibility</p:attrName>
+                                        </p:attrNameLst>
+                                      </p:cBhvr>
+                                      <p:to>
+                                        <p:strVal val="visible"/>
+                                      </p:to>
+                                    </p:set>
+                                    <p:animEffect transition="in" filter="fade">
+                                      <p:cBhvr>
+                                        <p:cTn id="17" dur="500"/>
+                                        <p:tgtEl>
+                                          <p:spTgt spid="3">
+                                            <p:txEl>
+                                              <p:pRg st="2" end="2"/>
+                                            </p:txEl>
+                                          </p:spTgt>
+                                        </p:tgtEl>
+                                      </p:cBhvr>
+                                    </p:animEffect>
+                                  </p:childTnLst>
+                                </p:cTn>
+                              </p:par>
+                            </p:childTnLst>
+                          </p:cTn>
+                        </p:par>
+                        <p:par>
+                          <p:cTn id="18" fill="hold">
+                            <p:stCondLst>
+                              <p:cond delay="1000"/>
+                            </p:stCondLst>
+                            <p:childTnLst>
+                              <p:par>
+                                <p:cTn id="19" presetID="10" presetClass="entr" presetSubtype="0" fill="hold" nodeType="afterEffect">
+                                  <p:stCondLst>
+                                    <p:cond delay="0"/>
+                                  </p:stCondLst>
+                                  <p:childTnLst>
+                                    <p:set>
+                                      <p:cBhvr>
+                                        <p:cTn id="20" dur="1" fill="hold">
+                                          <p:stCondLst>
+                                            <p:cond delay="0"/>
+                                          </p:stCondLst>
+                                        </p:cTn>
+                                        <p:tgtEl>
+                                          <p:spTgt spid="3">
+                                            <p:txEl>
+                                              <p:pRg st="3" end="3"/>
+                                            </p:txEl>
+                                          </p:spTgt>
+                                        </p:tgtEl>
+                                        <p:attrNameLst>
+                                          <p:attrName>style.visibility</p:attrName>
+                                        </p:attrNameLst>
+                                      </p:cBhvr>
+                                      <p:to>
+                                        <p:strVal val="visible"/>
+                                      </p:to>
+                                    </p:set>
+                                    <p:animEffect transition="in" filter="fade">
+                                      <p:cBhvr>
+                                        <p:cTn id="21" dur="500"/>
+                                        <p:tgtEl>
+                                          <p:spTgt spid="3">
+                                            <p:txEl>
+                                              <p:pRg st="3" end="3"/>
+                                            </p:txEl>
+                                          </p:spTgt>
+                                        </p:tgtEl>
+                                      </p:cBhvr>
+                                    </p:animEffect>
+                                  </p:childTnLst>
+                                </p:cTn>
+                              </p:par>
+                              <p:par>
+                                <p:cTn id="22" presetID="10" presetClass="entr" presetSubtype="0" fill="hold" nodeType="withEffect">
+                                  <p:stCondLst>
+                                    <p:cond delay="0"/>
+                                  </p:stCondLst>
+                                  <p:childTnLst>
+                                    <p:set>
+                                      <p:cBhvr>
+                                        <p:cTn id="23" dur="1" fill="hold">
+                                          <p:stCondLst>
+                                            <p:cond delay="0"/>
+                                          </p:stCondLst>
+                                        </p:cTn>
+                                        <p:tgtEl>
+                                          <p:spTgt spid="3">
+                                            <p:txEl>
+                                              <p:pRg st="4" end="4"/>
+                                            </p:txEl>
+                                          </p:spTgt>
+                                        </p:tgtEl>
+                                        <p:attrNameLst>
+                                          <p:attrName>style.visibility</p:attrName>
+                                        </p:attrNameLst>
+                                      </p:cBhvr>
+                                      <p:to>
+                                        <p:strVal val="visible"/>
+                                      </p:to>
+                                    </p:set>
+                                    <p:animEffect transition="in" filter="fade">
+                                      <p:cBhvr>
+                                        <p:cTn id="24" dur="500"/>
+                                        <p:tgtEl>
+                                          <p:spTgt spid="3">
+                                            <p:txEl>
+                                              <p:pRg st="4" end="4"/>
+                                            </p:txEl>
+                                          </p:spTgt>
+                                        </p:tgtEl>
+                                      </p:cBhvr>
+                                    </p:animEffect>
+                                  </p:childTnLst>
+                                </p:cTn>
+                              </p:par>
+                            </p:childTnLst>
+                          </p:cTn>
+                        </p:par>
+                        <p:par>
+                          <p:cTn id="25" fill="hold">
+                            <p:stCondLst>
+                              <p:cond delay="1500"/>
+                            </p:stCondLst>
+                            <p:childTnLst>
+                              <p:par>
+                                <p:cTn id="26" presetID="10" presetClass="entr" presetSubtype="0" fill="hold" nodeType="afterEffect">
+                                  <p:stCondLst>
+                                    <p:cond delay="0"/>
+                                  </p:stCondLst>
+                                  <p:childTnLst>
+                                    <p:set>
+                                      <p:cBhvr>
+                                        <p:cTn id="27" dur="1" fill="hold">
+                                          <p:stCondLst>
+                                            <p:cond delay="0"/>
+                                          </p:stCondLst>
+                                        </p:cTn>
+                                        <p:tgtEl>
+                                          <p:spTgt spid="4"/>
+                                        </p:tgtEl>
+                                        <p:attrNameLst>
+                                          <p:attrName>style.visibility</p:attrName>
+                                        </p:attrNameLst>
+                                      </p:cBhvr>
+                                      <p:to>
+                                        <p:strVal val="visible"/>
+                                      </p:to>
+                                    </p:set>
+                                    <p:animEffect transition="in" filter="fade">
+                                      <p:cBhvr>
+                                        <p:cTn id="28" dur="500"/>
+                                        <p:tgtEl>
+                                          <p:spTgt spid="4"/>
+                                        </p:tgtEl>
+                                      </p:cBhvr>
+                                    </p:animEffect>
+                                  </p:childTnLst>
+                                </p:cTn>
+                              </p:par>
+                              <p:par>
+                                <p:cTn id="29" presetID="10" presetClass="entr" presetSubtype="0" fill="hold" grpId="0" nodeType="withEffect">
+                                  <p:stCondLst>
+                                    <p:cond delay="0"/>
+                                  </p:stCondLst>
+                                  <p:childTnLst>
+                                    <p:set>
+                                      <p:cBhvr>
+                                        <p:cTn id="30" dur="1" fill="hold">
+                                          <p:stCondLst>
+                                            <p:cond delay="0"/>
+                                          </p:stCondLst>
+                                        </p:cTn>
+                                        <p:tgtEl>
+                                          <p:spTgt spid="5"/>
+                                        </p:tgtEl>
+                                        <p:attrNameLst>
+                                          <p:attrName>style.visibility</p:attrName>
+                                        </p:attrNameLst>
+                                      </p:cBhvr>
+                                      <p:to>
+                                        <p:strVal val="visible"/>
+                                      </p:to>
+                                    </p:set>
+                                    <p:animEffect transition="in" filter="fade">
+                                      <p:cBhvr>
+                                        <p:cTn id="31" dur="500"/>
+                                        <p:tgtEl>
+                                          <p:spTgt spid="5"/>
+                                        </p:tgtEl>
+                                      </p:cBhvr>
+                                    </p:animEffect>
+                                  </p:childTnLst>
+                                </p:cTn>
+                              </p:par>
+                              <p:par>
+                                <p:cTn id="32" presetID="10" presetClass="entr" presetSubtype="0" fill="hold" grpId="0" nodeType="withEffect">
+                                  <p:stCondLst>
+                                    <p:cond delay="0"/>
+                                  </p:stCondLst>
+                                  <p:childTnLst>
+                                    <p:set>
+                                      <p:cBhvr>
+                                        <p:cTn id="33" dur="1" fill="hold">
+                                          <p:stCondLst>
+                                            <p:cond delay="0"/>
+                                          </p:stCondLst>
+                                        </p:cTn>
+                                        <p:tgtEl>
+                                          <p:spTgt spid="6"/>
+                                        </p:tgtEl>
+                                        <p:attrNameLst>
+                                          <p:attrName>style.visibility</p:attrName>
+                                        </p:attrNameLst>
+                                      </p:cBhvr>
+                                      <p:to>
+                                        <p:strVal val="visible"/>
+                                      </p:to>
+                                    </p:set>
+                                    <p:animEffect transition="in" filter="fade">
+                                      <p:cBhvr>
+                                        <p:cTn id="34" dur="500"/>
+                                        <p:tgtEl>
+                                          <p:spTgt spid="6"/>
+                                        </p:tgtEl>
+                                      </p:cBhvr>
+                                    </p:animEffect>
+                                  </p:childTnLst>
+                                </p:cTn>
+                              </p:par>
+                              <p:par>
+                                <p:cTn id="35" presetID="10" presetClass="entr" presetSubtype="0" fill="hold" nodeType="withEffect">
+                                  <p:stCondLst>
+                                    <p:cond delay="0"/>
+                                  </p:stCondLst>
+                                  <p:childTnLst>
+                                    <p:set>
+                                      <p:cBhvr>
+                                        <p:cTn id="36" dur="1" fill="hold">
+                                          <p:stCondLst>
+                                            <p:cond delay="0"/>
+                                          </p:stCondLst>
+                                        </p:cTn>
+                                        <p:tgtEl>
+                                          <p:spTgt spid="7"/>
+                                        </p:tgtEl>
+                                        <p:attrNameLst>
+                                          <p:attrName>style.visibility</p:attrName>
+                                        </p:attrNameLst>
+                                      </p:cBhvr>
+                                      <p:to>
+                                        <p:strVal val="visible"/>
+                                      </p:to>
+                                    </p:set>
+                                    <p:animEffect transition="in" filter="fade">
+                                      <p:cBhvr>
+                                        <p:cTn id="37" dur="500"/>
+                                        <p:tgtEl>
+                                          <p:spTgt spid="7"/>
+                                        </p:tgtEl>
+                                      </p:cBhvr>
+                                    </p:animEffect>
+                                  </p:childTnLst>
+                                </p:cTn>
+                              </p:par>
+                              <p:par>
+                                <p:cTn id="38" presetID="10" presetClass="entr" presetSubtype="0" fill="hold" grpId="0" nodeType="withEffect">
+                                  <p:stCondLst>
+                                    <p:cond delay="0"/>
+                                  </p:stCondLst>
+                                  <p:childTnLst>
+                                    <p:set>
+                                      <p:cBhvr>
+                                        <p:cTn id="39" dur="1" fill="hold">
+                                          <p:stCondLst>
+                                            <p:cond delay="0"/>
+                                          </p:stCondLst>
+                                        </p:cTn>
+                                        <p:tgtEl>
+                                          <p:spTgt spid="8"/>
+                                        </p:tgtEl>
+                                        <p:attrNameLst>
+                                          <p:attrName>style.visibility</p:attrName>
+                                        </p:attrNameLst>
+                                      </p:cBhvr>
+                                      <p:to>
+                                        <p:strVal val="visible"/>
+                                      </p:to>
+                                    </p:set>
+                                    <p:animEffect transition="in" filter="fade">
+                                      <p:cBhvr>
+                                        <p:cTn id="40" dur="500"/>
+                                        <p:tgtEl>
+                                          <p:spTgt spid="8"/>
+                                        </p:tgtEl>
+                                      </p:cBhvr>
+                                    </p:animEffect>
+                                  </p:childTnLst>
+                                </p:cTn>
+                              </p:par>
+                              <p:par>
+                                <p:cTn id="41" presetID="10" presetClass="entr" presetSubtype="0" fill="hold" grpId="0" nodeType="withEffect">
+                                  <p:stCondLst>
+                                    <p:cond delay="0"/>
+                                  </p:stCondLst>
+                                  <p:childTnLst>
+                                    <p:set>
+                                      <p:cBhvr>
+                                        <p:cTn id="42" dur="1" fill="hold">
+                                          <p:stCondLst>
+                                            <p:cond delay="0"/>
+                                          </p:stCondLst>
+                                        </p:cTn>
+                                        <p:tgtEl>
+                                          <p:spTgt spid="9"/>
+                                        </p:tgtEl>
+                                        <p:attrNameLst>
+                                          <p:attrName>style.visibility</p:attrName>
+                                        </p:attrNameLst>
+                                      </p:cBhvr>
+                                      <p:to>
+                                        <p:strVal val="visible"/>
+                                      </p:to>
+                                    </p:set>
+                                    <p:animEffect transition="in" filter="fade">
+                                      <p:cBhvr>
+                                        <p:cTn id="43" dur="500"/>
+                                        <p:tgtEl>
+                                          <p:spTgt spid="9"/>
+                                        </p:tgtEl>
+                                      </p:cBhvr>
+                                    </p:animEffect>
+                                  </p:childTnLst>
+                                </p:cTn>
+                              </p:par>
+                              <p:par>
+                                <p:cTn id="44" presetID="10" presetClass="entr" presetSubtype="0" fill="hold" grpId="0" nodeType="withEffect">
+                                  <p:stCondLst>
+                                    <p:cond delay="0"/>
+                                  </p:stCondLst>
+                                  <p:childTnLst>
+                                    <p:set>
+                                      <p:cBhvr>
+                                        <p:cTn id="45" dur="1" fill="hold">
+                                          <p:stCondLst>
+                                            <p:cond delay="0"/>
+                                          </p:stCondLst>
+                                        </p:cTn>
+                                        <p:tgtEl>
+                                          <p:spTgt spid="10"/>
+                                        </p:tgtEl>
+                                        <p:attrNameLst>
+                                          <p:attrName>style.visibility</p:attrName>
+                                        </p:attrNameLst>
+                                      </p:cBhvr>
+                                      <p:to>
+                                        <p:strVal val="visible"/>
+                                      </p:to>
+                                    </p:set>
+                                    <p:animEffect transition="in" filter="fade">
+                                      <p:cBhvr>
+                                        <p:cTn id="46" dur="500"/>
+                                        <p:tgtEl>
+                                          <p:spTgt spid="10"/>
+                                        </p:tgtEl>
+                                      </p:cBhvr>
+                                    </p:animEffect>
+                                  </p:childTnLst>
+                                </p:cTn>
+                              </p:par>
+                            </p:childTnLst>
+                          </p:cTn>
+                        </p:par>
+                        <p:par>
+                          <p:cTn id="47" fill="hold">
+                            <p:stCondLst>
+                              <p:cond delay="2000"/>
+                            </p:stCondLst>
+                            <p:childTnLst>
+                              <p:par>
+                                <p:cTn id="48" presetID="10" presetClass="entr" presetSubtype="0" fill="hold" nodeType="afterEffect">
+                                  <p:stCondLst>
+                                    <p:cond delay="0"/>
+                                  </p:stCondLst>
+                                  <p:childTnLst>
+                                    <p:set>
+                                      <p:cBhvr>
+                                        <p:cTn id="49" dur="1" fill="hold">
+                                          <p:stCondLst>
+                                            <p:cond delay="0"/>
+                                          </p:stCondLst>
+                                        </p:cTn>
+                                        <p:tgtEl>
+                                          <p:spTgt spid="3">
+                                            <p:txEl>
+                                              <p:pRg st="9" end="9"/>
+                                            </p:txEl>
+                                          </p:spTgt>
+                                        </p:tgtEl>
+                                        <p:attrNameLst>
+                                          <p:attrName>style.visibility</p:attrName>
+                                        </p:attrNameLst>
+                                      </p:cBhvr>
+                                      <p:to>
+                                        <p:strVal val="visible"/>
+                                      </p:to>
+                                    </p:set>
+                                    <p:animEffect transition="in" filter="fade">
+                                      <p:cBhvr>
+                                        <p:cTn id="50" dur="500"/>
+                                        <p:tgtEl>
+                                          <p:spTgt spid="3">
+                                            <p:txEl>
+                                              <p:pRg st="9" end="9"/>
+                                            </p:txEl>
+                                          </p:spTgt>
+                                        </p:tgtEl>
+                                      </p:cBhvr>
+                                    </p:animEffect>
+                                  </p:childTnLst>
+                                </p:cTn>
+                              </p:par>
+                            </p:childTnLst>
+                          </p:cTn>
+                        </p:par>
+                      </p:childTnLst>
+                    </p:cTn>
+                  </p:par>
+                </p:childTnLst>
+              </p:cTn>
+              <p:prevCondLst>
+                <p:cond evt="onPrev" delay="0">
+                  <p:tgtEl>
+                    <p:sldTgt/>
+                  </p:tgtEl>
+                </p:cond>
+              </p:prevCondLst>
+              <p:nextCondLst>
+                <p:cond evt="onNext" delay="0">
+                  <p:tgtEl>
+                    <p:sldTgt/>
+                  </p:tgtEl>
+                </p:cond>
+              </p:nextCondLst>
+            </p:seq>
+          </p:childTnLst>
+        </p:cTn>
+      </p:par>
+    </p:tnLst>
+    <p:bldLst>
+      <p:bldP spid="2" grpId="0" animBg="1"/>
+      <p:bldP spid="5" grpId="0" animBg="1"/>
+      <p:bldP spid="6" grpId="0"/>
+      <p:bldP spid="8" grpId="0" animBg="1"/>
+      <p:bldP spid="9" grpId="0" animBg="1"/>
+      <p:bldP spid="10" grpId="0" animBg="1"/>
+    </p:bldLst>
+  </p:timing>
 </p:sld>
 </file>
 
@@ -5489,6 +6379,419 @@
   <p:clrMapOvr>
     <a:overrideClrMapping bg1="lt1" tx1="dk1" bg2="lt2" tx2="dk2" accent1="accent1" accent2="accent2" accent3="accent3" accent4="accent4" accent5="accent5" accent6="accent6" hlink="hlink" folHlink="folHlink"/>
   </p:clrMapOvr>
+  <p:timing>
+    <p:tnLst>
+      <p:par>
+        <p:cTn id="1" dur="indefinite" restart="never" nodeType="tmRoot">
+          <p:childTnLst>
+            <p:seq concurrent="1" nextAc="seek">
+              <p:cTn id="2" dur="indefinite" nodeType="mainSeq">
+                <p:childTnLst>
+                  <p:par>
+                    <p:cTn id="3" fill="hold">
+                      <p:stCondLst>
+                        <p:cond delay="indefinite"/>
+                        <p:cond evt="onBegin" delay="0">
+                          <p:tn val="2"/>
+                        </p:cond>
+                      </p:stCondLst>
+                      <p:childTnLst>
+                        <p:par>
+                          <p:cTn id="4" fill="hold">
+                            <p:stCondLst>
+                              <p:cond delay="0"/>
+                            </p:stCondLst>
+                            <p:childTnLst>
+                              <p:par>
+                                <p:cTn id="5" presetID="10" presetClass="entr" presetSubtype="0" fill="hold" nodeType="afterEffect">
+                                  <p:stCondLst>
+                                    <p:cond delay="0"/>
+                                  </p:stCondLst>
+                                  <p:childTnLst>
+                                    <p:set>
+                                      <p:cBhvr>
+                                        <p:cTn id="6" dur="1" fill="hold">
+                                          <p:stCondLst>
+                                            <p:cond delay="0"/>
+                                          </p:stCondLst>
+                                        </p:cTn>
+                                        <p:tgtEl>
+                                          <p:spTgt spid="6">
+                                            <p:txEl>
+                                              <p:pRg st="0" end="0"/>
+                                            </p:txEl>
+                                          </p:spTgt>
+                                        </p:tgtEl>
+                                        <p:attrNameLst>
+                                          <p:attrName>style.visibility</p:attrName>
+                                        </p:attrNameLst>
+                                      </p:cBhvr>
+                                      <p:to>
+                                        <p:strVal val="visible"/>
+                                      </p:to>
+                                    </p:set>
+                                    <p:animEffect transition="in" filter="fade">
+                                      <p:cBhvr>
+                                        <p:cTn id="7" dur="500"/>
+                                        <p:tgtEl>
+                                          <p:spTgt spid="6">
+                                            <p:txEl>
+                                              <p:pRg st="0" end="0"/>
+                                            </p:txEl>
+                                          </p:spTgt>
+                                        </p:tgtEl>
+                                      </p:cBhvr>
+                                    </p:animEffect>
+                                  </p:childTnLst>
+                                </p:cTn>
+                              </p:par>
+                              <p:par>
+                                <p:cTn id="8" presetID="10" presetClass="entr" presetSubtype="0" fill="hold" nodeType="withEffect">
+                                  <p:stCondLst>
+                                    <p:cond delay="0"/>
+                                  </p:stCondLst>
+                                  <p:childTnLst>
+                                    <p:set>
+                                      <p:cBhvr>
+                                        <p:cTn id="9" dur="1" fill="hold">
+                                          <p:stCondLst>
+                                            <p:cond delay="0"/>
+                                          </p:stCondLst>
+                                        </p:cTn>
+                                        <p:tgtEl>
+                                          <p:spTgt spid="6">
+                                            <p:txEl>
+                                              <p:pRg st="1" end="1"/>
+                                            </p:txEl>
+                                          </p:spTgt>
+                                        </p:tgtEl>
+                                        <p:attrNameLst>
+                                          <p:attrName>style.visibility</p:attrName>
+                                        </p:attrNameLst>
+                                      </p:cBhvr>
+                                      <p:to>
+                                        <p:strVal val="visible"/>
+                                      </p:to>
+                                    </p:set>
+                                    <p:animEffect transition="in" filter="fade">
+                                      <p:cBhvr>
+                                        <p:cTn id="10" dur="500"/>
+                                        <p:tgtEl>
+                                          <p:spTgt spid="6">
+                                            <p:txEl>
+                                              <p:pRg st="1" end="1"/>
+                                            </p:txEl>
+                                          </p:spTgt>
+                                        </p:tgtEl>
+                                      </p:cBhvr>
+                                    </p:animEffect>
+                                  </p:childTnLst>
+                                </p:cTn>
+                              </p:par>
+                              <p:par>
+                                <p:cTn id="11" presetID="10" presetClass="entr" presetSubtype="0" fill="hold" nodeType="withEffect">
+                                  <p:stCondLst>
+                                    <p:cond delay="0"/>
+                                  </p:stCondLst>
+                                  <p:childTnLst>
+                                    <p:set>
+                                      <p:cBhvr>
+                                        <p:cTn id="12" dur="1" fill="hold">
+                                          <p:stCondLst>
+                                            <p:cond delay="0"/>
+                                          </p:stCondLst>
+                                        </p:cTn>
+                                        <p:tgtEl>
+                                          <p:spTgt spid="6">
+                                            <p:txEl>
+                                              <p:pRg st="2" end="2"/>
+                                            </p:txEl>
+                                          </p:spTgt>
+                                        </p:tgtEl>
+                                        <p:attrNameLst>
+                                          <p:attrName>style.visibility</p:attrName>
+                                        </p:attrNameLst>
+                                      </p:cBhvr>
+                                      <p:to>
+                                        <p:strVal val="visible"/>
+                                      </p:to>
+                                    </p:set>
+                                    <p:animEffect transition="in" filter="fade">
+                                      <p:cBhvr>
+                                        <p:cTn id="13" dur="500"/>
+                                        <p:tgtEl>
+                                          <p:spTgt spid="6">
+                                            <p:txEl>
+                                              <p:pRg st="2" end="2"/>
+                                            </p:txEl>
+                                          </p:spTgt>
+                                        </p:tgtEl>
+                                      </p:cBhvr>
+                                    </p:animEffect>
+                                  </p:childTnLst>
+                                </p:cTn>
+                              </p:par>
+                            </p:childTnLst>
+                          </p:cTn>
+                        </p:par>
+                        <p:par>
+                          <p:cTn id="14" fill="hold">
+                            <p:stCondLst>
+                              <p:cond delay="500"/>
+                            </p:stCondLst>
+                            <p:childTnLst>
+                              <p:par>
+                                <p:cTn id="15" presetID="10" presetClass="entr" presetSubtype="0" fill="hold" nodeType="afterEffect">
+                                  <p:stCondLst>
+                                    <p:cond delay="0"/>
+                                  </p:stCondLst>
+                                  <p:childTnLst>
+                                    <p:set>
+                                      <p:cBhvr>
+                                        <p:cTn id="16" dur="1" fill="hold">
+                                          <p:stCondLst>
+                                            <p:cond delay="0"/>
+                                          </p:stCondLst>
+                                        </p:cTn>
+                                        <p:tgtEl>
+                                          <p:spTgt spid="6">
+                                            <p:txEl>
+                                              <p:pRg st="3" end="3"/>
+                                            </p:txEl>
+                                          </p:spTgt>
+                                        </p:tgtEl>
+                                        <p:attrNameLst>
+                                          <p:attrName>style.visibility</p:attrName>
+                                        </p:attrNameLst>
+                                      </p:cBhvr>
+                                      <p:to>
+                                        <p:strVal val="visible"/>
+                                      </p:to>
+                                    </p:set>
+                                    <p:animEffect transition="in" filter="fade">
+                                      <p:cBhvr>
+                                        <p:cTn id="17" dur="500"/>
+                                        <p:tgtEl>
+                                          <p:spTgt spid="6">
+                                            <p:txEl>
+                                              <p:pRg st="3" end="3"/>
+                                            </p:txEl>
+                                          </p:spTgt>
+                                        </p:tgtEl>
+                                      </p:cBhvr>
+                                    </p:animEffect>
+                                  </p:childTnLst>
+                                </p:cTn>
+                              </p:par>
+                              <p:par>
+                                <p:cTn id="18" presetID="10" presetClass="entr" presetSubtype="0" fill="hold" nodeType="withEffect">
+                                  <p:stCondLst>
+                                    <p:cond delay="0"/>
+                                  </p:stCondLst>
+                                  <p:childTnLst>
+                                    <p:set>
+                                      <p:cBhvr>
+                                        <p:cTn id="19" dur="1" fill="hold">
+                                          <p:stCondLst>
+                                            <p:cond delay="0"/>
+                                          </p:stCondLst>
+                                        </p:cTn>
+                                        <p:tgtEl>
+                                          <p:spTgt spid="6">
+                                            <p:txEl>
+                                              <p:pRg st="4" end="4"/>
+                                            </p:txEl>
+                                          </p:spTgt>
+                                        </p:tgtEl>
+                                        <p:attrNameLst>
+                                          <p:attrName>style.visibility</p:attrName>
+                                        </p:attrNameLst>
+                                      </p:cBhvr>
+                                      <p:to>
+                                        <p:strVal val="visible"/>
+                                      </p:to>
+                                    </p:set>
+                                    <p:animEffect transition="in" filter="fade">
+                                      <p:cBhvr>
+                                        <p:cTn id="20" dur="500"/>
+                                        <p:tgtEl>
+                                          <p:spTgt spid="6">
+                                            <p:txEl>
+                                              <p:pRg st="4" end="4"/>
+                                            </p:txEl>
+                                          </p:spTgt>
+                                        </p:tgtEl>
+                                      </p:cBhvr>
+                                    </p:animEffect>
+                                  </p:childTnLst>
+                                </p:cTn>
+                              </p:par>
+                              <p:par>
+                                <p:cTn id="21" presetID="10" presetClass="entr" presetSubtype="0" fill="hold" nodeType="withEffect">
+                                  <p:stCondLst>
+                                    <p:cond delay="0"/>
+                                  </p:stCondLst>
+                                  <p:childTnLst>
+                                    <p:set>
+                                      <p:cBhvr>
+                                        <p:cTn id="22" dur="1" fill="hold">
+                                          <p:stCondLst>
+                                            <p:cond delay="0"/>
+                                          </p:stCondLst>
+                                        </p:cTn>
+                                        <p:tgtEl>
+                                          <p:spTgt spid="6">
+                                            <p:txEl>
+                                              <p:pRg st="5" end="5"/>
+                                            </p:txEl>
+                                          </p:spTgt>
+                                        </p:tgtEl>
+                                        <p:attrNameLst>
+                                          <p:attrName>style.visibility</p:attrName>
+                                        </p:attrNameLst>
+                                      </p:cBhvr>
+                                      <p:to>
+                                        <p:strVal val="visible"/>
+                                      </p:to>
+                                    </p:set>
+                                    <p:animEffect transition="in" filter="fade">
+                                      <p:cBhvr>
+                                        <p:cTn id="23" dur="500"/>
+                                        <p:tgtEl>
+                                          <p:spTgt spid="6">
+                                            <p:txEl>
+                                              <p:pRg st="5" end="5"/>
+                                            </p:txEl>
+                                          </p:spTgt>
+                                        </p:tgtEl>
+                                      </p:cBhvr>
+                                    </p:animEffect>
+                                  </p:childTnLst>
+                                </p:cTn>
+                              </p:par>
+                            </p:childTnLst>
+                          </p:cTn>
+                        </p:par>
+                        <p:par>
+                          <p:cTn id="24" fill="hold">
+                            <p:stCondLst>
+                              <p:cond delay="1000"/>
+                            </p:stCondLst>
+                            <p:childTnLst>
+                              <p:par>
+                                <p:cTn id="25" presetID="10" presetClass="entr" presetSubtype="0" fill="hold" nodeType="afterEffect">
+                                  <p:stCondLst>
+                                    <p:cond delay="0"/>
+                                  </p:stCondLst>
+                                  <p:childTnLst>
+                                    <p:set>
+                                      <p:cBhvr>
+                                        <p:cTn id="26" dur="1" fill="hold">
+                                          <p:stCondLst>
+                                            <p:cond delay="0"/>
+                                          </p:stCondLst>
+                                        </p:cTn>
+                                        <p:tgtEl>
+                                          <p:spTgt spid="6">
+                                            <p:txEl>
+                                              <p:pRg st="6" end="6"/>
+                                            </p:txEl>
+                                          </p:spTgt>
+                                        </p:tgtEl>
+                                        <p:attrNameLst>
+                                          <p:attrName>style.visibility</p:attrName>
+                                        </p:attrNameLst>
+                                      </p:cBhvr>
+                                      <p:to>
+                                        <p:strVal val="visible"/>
+                                      </p:to>
+                                    </p:set>
+                                    <p:animEffect transition="in" filter="fade">
+                                      <p:cBhvr>
+                                        <p:cTn id="27" dur="500"/>
+                                        <p:tgtEl>
+                                          <p:spTgt spid="6">
+                                            <p:txEl>
+                                              <p:pRg st="6" end="6"/>
+                                            </p:txEl>
+                                          </p:spTgt>
+                                        </p:tgtEl>
+                                      </p:cBhvr>
+                                    </p:animEffect>
+                                  </p:childTnLst>
+                                </p:cTn>
+                              </p:par>
+                              <p:par>
+                                <p:cTn id="28" presetID="10" presetClass="entr" presetSubtype="0" fill="hold" nodeType="withEffect">
+                                  <p:stCondLst>
+                                    <p:cond delay="0"/>
+                                  </p:stCondLst>
+                                  <p:childTnLst>
+                                    <p:set>
+                                      <p:cBhvr>
+                                        <p:cTn id="29" dur="1" fill="hold">
+                                          <p:stCondLst>
+                                            <p:cond delay="0"/>
+                                          </p:stCondLst>
+                                        </p:cTn>
+                                        <p:tgtEl>
+                                          <p:spTgt spid="6">
+                                            <p:txEl>
+                                              <p:pRg st="7" end="7"/>
+                                            </p:txEl>
+                                          </p:spTgt>
+                                        </p:tgtEl>
+                                        <p:attrNameLst>
+                                          <p:attrName>style.visibility</p:attrName>
+                                        </p:attrNameLst>
+                                      </p:cBhvr>
+                                      <p:to>
+                                        <p:strVal val="visible"/>
+                                      </p:to>
+                                    </p:set>
+                                    <p:animEffect transition="in" filter="fade">
+                                      <p:cBhvr>
+                                        <p:cTn id="30" dur="500"/>
+                                        <p:tgtEl>
+                                          <p:spTgt spid="6">
+                                            <p:txEl>
+                                              <p:pRg st="7" end="7"/>
+                                            </p:txEl>
+                                          </p:spTgt>
+                                        </p:tgtEl>
+                                      </p:cBhvr>
+                                    </p:animEffect>
+                                  </p:childTnLst>
+                                </p:cTn>
+                              </p:par>
+                            </p:childTnLst>
+                          </p:cTn>
+                        </p:par>
+                      </p:childTnLst>
+                    </p:cTn>
+                  </p:par>
+                </p:childTnLst>
+              </p:cTn>
+              <p:prevCondLst>
+                <p:cond evt="onPrev" delay="0">
+                  <p:tgtEl>
+                    <p:sldTgt/>
+                  </p:tgtEl>
+                </p:cond>
+              </p:prevCondLst>
+              <p:nextCondLst>
+                <p:cond evt="onNext" delay="0">
+                  <p:tgtEl>
+                    <p:sldTgt/>
+                  </p:tgtEl>
+                </p:cond>
+              </p:nextCondLst>
+            </p:seq>
+          </p:childTnLst>
+        </p:cTn>
+      </p:par>
+    </p:tnLst>
+  </p:timing>
 </p:sld>
 </file>
 
@@ -5842,7 +7145,7 @@
             </a:pPr>
             <a:r>
               <a:rPr lang="en-US" dirty="0"/>
-              <a:t>Farther more, if we find that a drug is best explained with more than one model, we may calculate its predication using weighted average on all used  models’ predictions.</a:t>
+              <a:t>Farther more, if we find that a drug is best explained with more than one model, we may calculate its prediction using weighted average on all used models’ predictions.</a:t>
             </a:r>
           </a:p>
           <a:p>
@@ -5920,7 +7223,7 @@
             </a:pPr>
             <a:r>
               <a:rPr lang="en-US" dirty="0"/>
-              <a:t>We can divide the drugs to clusters and for each cluster do the above (to avoid noise and unhelpful features).</a:t>
+              <a:t>We can divide the drugs to clusters and for each cluster do the above (to avoid noise and unhelpful “drug features”).</a:t>
             </a:r>
           </a:p>
         </p:txBody>
@@ -5935,6 +7238,505 @@
   <p:clrMapOvr>
     <a:overrideClrMapping bg1="lt1" tx1="dk1" bg2="lt2" tx2="dk2" accent1="accent1" accent2="accent2" accent3="accent3" accent4="accent4" accent5="accent5" accent6="accent6" hlink="hlink" folHlink="folHlink"/>
   </p:clrMapOvr>
+  <p:timing>
+    <p:tnLst>
+      <p:par>
+        <p:cTn id="1" dur="indefinite" restart="never" nodeType="tmRoot">
+          <p:childTnLst>
+            <p:seq concurrent="1" nextAc="seek">
+              <p:cTn id="2" dur="indefinite" nodeType="mainSeq">
+                <p:childTnLst>
+                  <p:par>
+                    <p:cTn id="3" fill="hold">
+                      <p:stCondLst>
+                        <p:cond delay="indefinite"/>
+                        <p:cond evt="onBegin" delay="0">
+                          <p:tn val="2"/>
+                        </p:cond>
+                      </p:stCondLst>
+                      <p:childTnLst>
+                        <p:par>
+                          <p:cTn id="4" fill="hold">
+                            <p:stCondLst>
+                              <p:cond delay="0"/>
+                            </p:stCondLst>
+                            <p:childTnLst>
+                              <p:par>
+                                <p:cTn id="5" presetID="10" presetClass="entr" presetSubtype="0" fill="hold" nodeType="afterEffect">
+                                  <p:stCondLst>
+                                    <p:cond delay="0"/>
+                                  </p:stCondLst>
+                                  <p:childTnLst>
+                                    <p:set>
+                                      <p:cBhvr>
+                                        <p:cTn id="6" dur="1" fill="hold">
+                                          <p:stCondLst>
+                                            <p:cond delay="0"/>
+                                          </p:stCondLst>
+                                        </p:cTn>
+                                        <p:tgtEl>
+                                          <p:spTgt spid="6">
+                                            <p:txEl>
+                                              <p:pRg st="0" end="0"/>
+                                            </p:txEl>
+                                          </p:spTgt>
+                                        </p:tgtEl>
+                                        <p:attrNameLst>
+                                          <p:attrName>style.visibility</p:attrName>
+                                        </p:attrNameLst>
+                                      </p:cBhvr>
+                                      <p:to>
+                                        <p:strVal val="visible"/>
+                                      </p:to>
+                                    </p:set>
+                                    <p:animEffect transition="in" filter="fade">
+                                      <p:cBhvr>
+                                        <p:cTn id="7" dur="500"/>
+                                        <p:tgtEl>
+                                          <p:spTgt spid="6">
+                                            <p:txEl>
+                                              <p:pRg st="0" end="0"/>
+                                            </p:txEl>
+                                          </p:spTgt>
+                                        </p:tgtEl>
+                                      </p:cBhvr>
+                                    </p:animEffect>
+                                  </p:childTnLst>
+                                </p:cTn>
+                              </p:par>
+                              <p:par>
+                                <p:cTn id="8" presetID="10" presetClass="entr" presetSubtype="0" fill="hold" nodeType="withEffect">
+                                  <p:stCondLst>
+                                    <p:cond delay="0"/>
+                                  </p:stCondLst>
+                                  <p:childTnLst>
+                                    <p:set>
+                                      <p:cBhvr>
+                                        <p:cTn id="9" dur="1" fill="hold">
+                                          <p:stCondLst>
+                                            <p:cond delay="0"/>
+                                          </p:stCondLst>
+                                        </p:cTn>
+                                        <p:tgtEl>
+                                          <p:spTgt spid="6">
+                                            <p:txEl>
+                                              <p:pRg st="1" end="1"/>
+                                            </p:txEl>
+                                          </p:spTgt>
+                                        </p:tgtEl>
+                                        <p:attrNameLst>
+                                          <p:attrName>style.visibility</p:attrName>
+                                        </p:attrNameLst>
+                                      </p:cBhvr>
+                                      <p:to>
+                                        <p:strVal val="visible"/>
+                                      </p:to>
+                                    </p:set>
+                                    <p:animEffect transition="in" filter="fade">
+                                      <p:cBhvr>
+                                        <p:cTn id="10" dur="500"/>
+                                        <p:tgtEl>
+                                          <p:spTgt spid="6">
+                                            <p:txEl>
+                                              <p:pRg st="1" end="1"/>
+                                            </p:txEl>
+                                          </p:spTgt>
+                                        </p:tgtEl>
+                                      </p:cBhvr>
+                                    </p:animEffect>
+                                  </p:childTnLst>
+                                </p:cTn>
+                              </p:par>
+                              <p:par>
+                                <p:cTn id="11" presetID="10" presetClass="entr" presetSubtype="0" fill="hold" nodeType="withEffect">
+                                  <p:stCondLst>
+                                    <p:cond delay="0"/>
+                                  </p:stCondLst>
+                                  <p:childTnLst>
+                                    <p:set>
+                                      <p:cBhvr>
+                                        <p:cTn id="12" dur="1" fill="hold">
+                                          <p:stCondLst>
+                                            <p:cond delay="0"/>
+                                          </p:stCondLst>
+                                        </p:cTn>
+                                        <p:tgtEl>
+                                          <p:spTgt spid="6">
+                                            <p:txEl>
+                                              <p:pRg st="2" end="2"/>
+                                            </p:txEl>
+                                          </p:spTgt>
+                                        </p:tgtEl>
+                                        <p:attrNameLst>
+                                          <p:attrName>style.visibility</p:attrName>
+                                        </p:attrNameLst>
+                                      </p:cBhvr>
+                                      <p:to>
+                                        <p:strVal val="visible"/>
+                                      </p:to>
+                                    </p:set>
+                                    <p:animEffect transition="in" filter="fade">
+                                      <p:cBhvr>
+                                        <p:cTn id="13" dur="500"/>
+                                        <p:tgtEl>
+                                          <p:spTgt spid="6">
+                                            <p:txEl>
+                                              <p:pRg st="2" end="2"/>
+                                            </p:txEl>
+                                          </p:spTgt>
+                                        </p:tgtEl>
+                                      </p:cBhvr>
+                                    </p:animEffect>
+                                  </p:childTnLst>
+                                </p:cTn>
+                              </p:par>
+                              <p:par>
+                                <p:cTn id="14" presetID="10" presetClass="entr" presetSubtype="0" fill="hold" nodeType="withEffect">
+                                  <p:stCondLst>
+                                    <p:cond delay="0"/>
+                                  </p:stCondLst>
+                                  <p:childTnLst>
+                                    <p:set>
+                                      <p:cBhvr>
+                                        <p:cTn id="15" dur="1" fill="hold">
+                                          <p:stCondLst>
+                                            <p:cond delay="0"/>
+                                          </p:stCondLst>
+                                        </p:cTn>
+                                        <p:tgtEl>
+                                          <p:spTgt spid="6">
+                                            <p:txEl>
+                                              <p:pRg st="3" end="3"/>
+                                            </p:txEl>
+                                          </p:spTgt>
+                                        </p:tgtEl>
+                                        <p:attrNameLst>
+                                          <p:attrName>style.visibility</p:attrName>
+                                        </p:attrNameLst>
+                                      </p:cBhvr>
+                                      <p:to>
+                                        <p:strVal val="visible"/>
+                                      </p:to>
+                                    </p:set>
+                                    <p:animEffect transition="in" filter="fade">
+                                      <p:cBhvr>
+                                        <p:cTn id="16" dur="500"/>
+                                        <p:tgtEl>
+                                          <p:spTgt spid="6">
+                                            <p:txEl>
+                                              <p:pRg st="3" end="3"/>
+                                            </p:txEl>
+                                          </p:spTgt>
+                                        </p:tgtEl>
+                                      </p:cBhvr>
+                                    </p:animEffect>
+                                  </p:childTnLst>
+                                </p:cTn>
+                              </p:par>
+                            </p:childTnLst>
+                          </p:cTn>
+                        </p:par>
+                        <p:par>
+                          <p:cTn id="17" fill="hold">
+                            <p:stCondLst>
+                              <p:cond delay="500"/>
+                            </p:stCondLst>
+                            <p:childTnLst>
+                              <p:par>
+                                <p:cTn id="18" presetID="10" presetClass="entr" presetSubtype="0" fill="hold" nodeType="afterEffect">
+                                  <p:stCondLst>
+                                    <p:cond delay="0"/>
+                                  </p:stCondLst>
+                                  <p:childTnLst>
+                                    <p:set>
+                                      <p:cBhvr>
+                                        <p:cTn id="19" dur="1" fill="hold">
+                                          <p:stCondLst>
+                                            <p:cond delay="0"/>
+                                          </p:stCondLst>
+                                        </p:cTn>
+                                        <p:tgtEl>
+                                          <p:spTgt spid="6">
+                                            <p:txEl>
+                                              <p:pRg st="4" end="4"/>
+                                            </p:txEl>
+                                          </p:spTgt>
+                                        </p:tgtEl>
+                                        <p:attrNameLst>
+                                          <p:attrName>style.visibility</p:attrName>
+                                        </p:attrNameLst>
+                                      </p:cBhvr>
+                                      <p:to>
+                                        <p:strVal val="visible"/>
+                                      </p:to>
+                                    </p:set>
+                                    <p:animEffect transition="in" filter="fade">
+                                      <p:cBhvr>
+                                        <p:cTn id="20" dur="500"/>
+                                        <p:tgtEl>
+                                          <p:spTgt spid="6">
+                                            <p:txEl>
+                                              <p:pRg st="4" end="4"/>
+                                            </p:txEl>
+                                          </p:spTgt>
+                                        </p:tgtEl>
+                                      </p:cBhvr>
+                                    </p:animEffect>
+                                  </p:childTnLst>
+                                </p:cTn>
+                              </p:par>
+                              <p:par>
+                                <p:cTn id="21" presetID="10" presetClass="entr" presetSubtype="0" fill="hold" nodeType="withEffect">
+                                  <p:stCondLst>
+                                    <p:cond delay="0"/>
+                                  </p:stCondLst>
+                                  <p:childTnLst>
+                                    <p:set>
+                                      <p:cBhvr>
+                                        <p:cTn id="22" dur="1" fill="hold">
+                                          <p:stCondLst>
+                                            <p:cond delay="0"/>
+                                          </p:stCondLst>
+                                        </p:cTn>
+                                        <p:tgtEl>
+                                          <p:spTgt spid="6">
+                                            <p:txEl>
+                                              <p:pRg st="5" end="5"/>
+                                            </p:txEl>
+                                          </p:spTgt>
+                                        </p:tgtEl>
+                                        <p:attrNameLst>
+                                          <p:attrName>style.visibility</p:attrName>
+                                        </p:attrNameLst>
+                                      </p:cBhvr>
+                                      <p:to>
+                                        <p:strVal val="visible"/>
+                                      </p:to>
+                                    </p:set>
+                                    <p:animEffect transition="in" filter="fade">
+                                      <p:cBhvr>
+                                        <p:cTn id="23" dur="500"/>
+                                        <p:tgtEl>
+                                          <p:spTgt spid="6">
+                                            <p:txEl>
+                                              <p:pRg st="5" end="5"/>
+                                            </p:txEl>
+                                          </p:spTgt>
+                                        </p:tgtEl>
+                                      </p:cBhvr>
+                                    </p:animEffect>
+                                  </p:childTnLst>
+                                </p:cTn>
+                              </p:par>
+                              <p:par>
+                                <p:cTn id="24" presetID="10" presetClass="entr" presetSubtype="0" fill="hold" nodeType="withEffect">
+                                  <p:stCondLst>
+                                    <p:cond delay="0"/>
+                                  </p:stCondLst>
+                                  <p:childTnLst>
+                                    <p:set>
+                                      <p:cBhvr>
+                                        <p:cTn id="25" dur="1" fill="hold">
+                                          <p:stCondLst>
+                                            <p:cond delay="0"/>
+                                          </p:stCondLst>
+                                        </p:cTn>
+                                        <p:tgtEl>
+                                          <p:spTgt spid="6">
+                                            <p:txEl>
+                                              <p:pRg st="6" end="6"/>
+                                            </p:txEl>
+                                          </p:spTgt>
+                                        </p:tgtEl>
+                                        <p:attrNameLst>
+                                          <p:attrName>style.visibility</p:attrName>
+                                        </p:attrNameLst>
+                                      </p:cBhvr>
+                                      <p:to>
+                                        <p:strVal val="visible"/>
+                                      </p:to>
+                                    </p:set>
+                                    <p:animEffect transition="in" filter="fade">
+                                      <p:cBhvr>
+                                        <p:cTn id="26" dur="500"/>
+                                        <p:tgtEl>
+                                          <p:spTgt spid="6">
+                                            <p:txEl>
+                                              <p:pRg st="6" end="6"/>
+                                            </p:txEl>
+                                          </p:spTgt>
+                                        </p:tgtEl>
+                                      </p:cBhvr>
+                                    </p:animEffect>
+                                  </p:childTnLst>
+                                </p:cTn>
+                              </p:par>
+                            </p:childTnLst>
+                          </p:cTn>
+                        </p:par>
+                        <p:par>
+                          <p:cTn id="27" fill="hold">
+                            <p:stCondLst>
+                              <p:cond delay="1000"/>
+                            </p:stCondLst>
+                            <p:childTnLst>
+                              <p:par>
+                                <p:cTn id="28" presetID="10" presetClass="entr" presetSubtype="0" fill="hold" nodeType="afterEffect">
+                                  <p:stCondLst>
+                                    <p:cond delay="0"/>
+                                  </p:stCondLst>
+                                  <p:childTnLst>
+                                    <p:set>
+                                      <p:cBhvr>
+                                        <p:cTn id="29" dur="1" fill="hold">
+                                          <p:stCondLst>
+                                            <p:cond delay="0"/>
+                                          </p:stCondLst>
+                                        </p:cTn>
+                                        <p:tgtEl>
+                                          <p:spTgt spid="6">
+                                            <p:txEl>
+                                              <p:pRg st="7" end="7"/>
+                                            </p:txEl>
+                                          </p:spTgt>
+                                        </p:tgtEl>
+                                        <p:attrNameLst>
+                                          <p:attrName>style.visibility</p:attrName>
+                                        </p:attrNameLst>
+                                      </p:cBhvr>
+                                      <p:to>
+                                        <p:strVal val="visible"/>
+                                      </p:to>
+                                    </p:set>
+                                    <p:animEffect transition="in" filter="fade">
+                                      <p:cBhvr>
+                                        <p:cTn id="30" dur="500"/>
+                                        <p:tgtEl>
+                                          <p:spTgt spid="6">
+                                            <p:txEl>
+                                              <p:pRg st="7" end="7"/>
+                                            </p:txEl>
+                                          </p:spTgt>
+                                        </p:tgtEl>
+                                      </p:cBhvr>
+                                    </p:animEffect>
+                                  </p:childTnLst>
+                                </p:cTn>
+                              </p:par>
+                              <p:par>
+                                <p:cTn id="31" presetID="10" presetClass="entr" presetSubtype="0" fill="hold" nodeType="withEffect">
+                                  <p:stCondLst>
+                                    <p:cond delay="0"/>
+                                  </p:stCondLst>
+                                  <p:childTnLst>
+                                    <p:set>
+                                      <p:cBhvr>
+                                        <p:cTn id="32" dur="1" fill="hold">
+                                          <p:stCondLst>
+                                            <p:cond delay="0"/>
+                                          </p:stCondLst>
+                                        </p:cTn>
+                                        <p:tgtEl>
+                                          <p:spTgt spid="6">
+                                            <p:txEl>
+                                              <p:pRg st="8" end="8"/>
+                                            </p:txEl>
+                                          </p:spTgt>
+                                        </p:tgtEl>
+                                        <p:attrNameLst>
+                                          <p:attrName>style.visibility</p:attrName>
+                                        </p:attrNameLst>
+                                      </p:cBhvr>
+                                      <p:to>
+                                        <p:strVal val="visible"/>
+                                      </p:to>
+                                    </p:set>
+                                    <p:animEffect transition="in" filter="fade">
+                                      <p:cBhvr>
+                                        <p:cTn id="33" dur="500"/>
+                                        <p:tgtEl>
+                                          <p:spTgt spid="6">
+                                            <p:txEl>
+                                              <p:pRg st="8" end="8"/>
+                                            </p:txEl>
+                                          </p:spTgt>
+                                        </p:tgtEl>
+                                      </p:cBhvr>
+                                    </p:animEffect>
+                                  </p:childTnLst>
+                                </p:cTn>
+                              </p:par>
+                              <p:par>
+                                <p:cTn id="34" presetID="10" presetClass="entr" presetSubtype="0" fill="hold" nodeType="withEffect">
+                                  <p:stCondLst>
+                                    <p:cond delay="0"/>
+                                  </p:stCondLst>
+                                  <p:childTnLst>
+                                    <p:set>
+                                      <p:cBhvr>
+                                        <p:cTn id="35" dur="1" fill="hold">
+                                          <p:stCondLst>
+                                            <p:cond delay="0"/>
+                                          </p:stCondLst>
+                                        </p:cTn>
+                                        <p:tgtEl>
+                                          <p:spTgt spid="6">
+                                            <p:txEl>
+                                              <p:pRg st="9" end="9"/>
+                                            </p:txEl>
+                                          </p:spTgt>
+                                        </p:tgtEl>
+                                        <p:attrNameLst>
+                                          <p:attrName>style.visibility</p:attrName>
+                                        </p:attrNameLst>
+                                      </p:cBhvr>
+                                      <p:to>
+                                        <p:strVal val="visible"/>
+                                      </p:to>
+                                    </p:set>
+                                    <p:animEffect transition="in" filter="fade">
+                                      <p:cBhvr>
+                                        <p:cTn id="36" dur="500"/>
+                                        <p:tgtEl>
+                                          <p:spTgt spid="6">
+                                            <p:txEl>
+                                              <p:pRg st="9" end="9"/>
+                                            </p:txEl>
+                                          </p:spTgt>
+                                        </p:tgtEl>
+                                      </p:cBhvr>
+                                    </p:animEffect>
+                                  </p:childTnLst>
+                                </p:cTn>
+                              </p:par>
+                            </p:childTnLst>
+                          </p:cTn>
+                        </p:par>
+                      </p:childTnLst>
+                    </p:cTn>
+                  </p:par>
+                </p:childTnLst>
+              </p:cTn>
+              <p:prevCondLst>
+                <p:cond evt="onPrev" delay="0">
+                  <p:tgtEl>
+                    <p:sldTgt/>
+                  </p:tgtEl>
+                </p:cond>
+              </p:prevCondLst>
+              <p:nextCondLst>
+                <p:cond evt="onNext" delay="0">
+                  <p:tgtEl>
+                    <p:sldTgt/>
+                  </p:tgtEl>
+                </p:cond>
+              </p:nextCondLst>
+            </p:seq>
+          </p:childTnLst>
+        </p:cTn>
+      </p:par>
+    </p:tnLst>
+  </p:timing>
 </p:sld>
 </file>
 
@@ -6246,7 +8048,7 @@
             </a:pPr>
             <a:r>
               <a:rPr lang="en-US" dirty="0"/>
-              <a:t>Apply the best model we found in task 1 on the unlabeled gene expression data and add the results to the training model (we can test this model by using the originally unlabeled data as the train data and the originally labeled data as the test data).</a:t>
+              <a:t>Apply the best model we found in task 1 on the unlabeled gene expression data and add the results to the training model.</a:t>
             </a:r>
           </a:p>
           <a:p>
@@ -6257,6 +8059,16 @@
             <a:r>
               <a:rPr lang="en-US" dirty="0"/>
               <a:t>We can improve that approach by several confidence-based methods (COREG\?).</a:t>
+            </a:r>
+          </a:p>
+          <a:p>
+            <a:pPr marL="285750" indent="-285750">
+              <a:buFont typeface="Arial" panose="020B0604020202020204" pitchFamily="34" charset="0"/>
+              <a:buChar char="•"/>
+            </a:pPr>
+            <a:r>
+              <a:rPr lang="en-US" dirty="0"/>
+              <a:t>We can test this task by using the originally unlabeled data as the train data and the originally labeled data as the test data </a:t>
             </a:r>
             <a:endParaRPr lang="en-IL" dirty="0"/>
           </a:p>
@@ -6641,7 +8453,7 @@
           <a:p>
             <a:r>
               <a:rPr lang="en-US" dirty="0"/>
-              <a:t>Visualizations Ideas</a:t>
+              <a:t>Additional problems Ideas</a:t>
             </a:r>
             <a:endParaRPr lang="en-IL" dirty="0"/>
           </a:p>
@@ -6670,6 +8482,103 @@
           <a:p>
             <a:r>
               <a:rPr lang="en-US" dirty="0"/>
+              <a:t>Predict mutations based on labeled gene expression (similar to task 1).</a:t>
+            </a:r>
+          </a:p>
+          <a:p>
+            <a:r>
+              <a:rPr lang="en-US" dirty="0"/>
+              <a:t>Predict mutation based on semi-labeled gene expression (similar to task 2).</a:t>
+            </a:r>
+            <a:endParaRPr lang="en-IL" dirty="0"/>
+          </a:p>
+          <a:p>
+            <a:endParaRPr lang="en-IL" dirty="0"/>
+          </a:p>
+        </p:txBody>
+      </p:sp>
+    </p:spTree>
+    <p:extLst>
+      <p:ext uri="{BB962C8B-B14F-4D97-AF65-F5344CB8AC3E}">
+        <p14:creationId xmlns:p14="http://schemas.microsoft.com/office/powerpoint/2010/main" val="1676014840"/>
+      </p:ext>
+    </p:extLst>
+  </p:cSld>
+  <p:clrMapOvr>
+    <a:masterClrMapping/>
+  </p:clrMapOvr>
+</p:sld>
+</file>
+
+<file path=ppt/slides/slide8.xml><?xml version="1.0" encoding="utf-8"?>
+<p:sld xmlns:a="http://schemas.openxmlformats.org/drawingml/2006/main" xmlns:r="http://schemas.openxmlformats.org/officeDocument/2006/relationships" xmlns:p="http://schemas.openxmlformats.org/presentationml/2006/main">
+  <p:cSld>
+    <p:spTree>
+      <p:nvGrpSpPr>
+        <p:cNvPr id="1" name=""/>
+        <p:cNvGrpSpPr/>
+        <p:nvPr/>
+      </p:nvGrpSpPr>
+      <p:grpSpPr>
+        <a:xfrm>
+          <a:off x="0" y="0"/>
+          <a:ext cx="0" cy="0"/>
+          <a:chOff x="0" y="0"/>
+          <a:chExt cx="0" cy="0"/>
+        </a:xfrm>
+      </p:grpSpPr>
+      <p:sp>
+        <p:nvSpPr>
+          <p:cNvPr id="6" name="Title 5">
+            <a:extLst>
+              <a:ext uri="{FF2B5EF4-FFF2-40B4-BE49-F238E27FC236}">
+                <a16:creationId xmlns:a16="http://schemas.microsoft.com/office/drawing/2014/main" id="{9C16C16A-A22D-4915-B0C0-BCE913C46966}"/>
+              </a:ext>
+            </a:extLst>
+          </p:cNvPr>
+          <p:cNvSpPr>
+            <a:spLocks noGrp="1"/>
+          </p:cNvSpPr>
+          <p:nvPr>
+            <p:ph type="title"/>
+          </p:nvPr>
+        </p:nvSpPr>
+        <p:spPr/>
+        <p:txBody>
+          <a:bodyPr/>
+          <a:lstStyle/>
+          <a:p>
+            <a:r>
+              <a:rPr lang="en-US" dirty="0"/>
+              <a:t>Visualizations Ideas</a:t>
+            </a:r>
+            <a:endParaRPr lang="en-IL" dirty="0"/>
+          </a:p>
+        </p:txBody>
+      </p:sp>
+      <p:sp>
+        <p:nvSpPr>
+          <p:cNvPr id="7" name="Content Placeholder 6">
+            <a:extLst>
+              <a:ext uri="{FF2B5EF4-FFF2-40B4-BE49-F238E27FC236}">
+                <a16:creationId xmlns:a16="http://schemas.microsoft.com/office/drawing/2014/main" id="{3A5E0135-70CF-4728-8861-DAA78B3E864D}"/>
+              </a:ext>
+            </a:extLst>
+          </p:cNvPr>
+          <p:cNvSpPr>
+            <a:spLocks noGrp="1"/>
+          </p:cNvSpPr>
+          <p:nvPr>
+            <p:ph idx="1"/>
+          </p:nvPr>
+        </p:nvSpPr>
+        <p:spPr/>
+        <p:txBody>
+          <a:bodyPr/>
+          <a:lstStyle/>
+          <a:p>
+            <a:r>
+              <a:rPr lang="en-US" dirty="0"/>
               <a:t>Gene Expression X drug response Spearman correlation matrix.</a:t>
             </a:r>
             <a:endParaRPr lang="en-IL" dirty="0"/>
@@ -6692,7 +8601,7 @@
 </p:sld>
 </file>
 
-<file path=ppt/slides/slide8.xml><?xml version="1.0" encoding="utf-8"?>
+<file path=ppt/slides/slide9.xml><?xml version="1.0" encoding="utf-8"?>
 <p:sld xmlns:a="http://schemas.openxmlformats.org/drawingml/2006/main" xmlns:r="http://schemas.openxmlformats.org/officeDocument/2006/relationships" xmlns:p="http://schemas.openxmlformats.org/presentationml/2006/main">
   <p:cSld>
     <p:spTree>
